--- a/Sam-Presentation1.pptx
+++ b/Sam-Presentation1.pptx
@@ -12927,9 +12927,39 @@
         </p:blipFill>
         <p:spPr>
           <a:xfrm>
-            <a:off x="5599660" y="1811338"/>
+            <a:off x="5599660" y="1885157"/>
             <a:ext cx="6306784" cy="4748212"/>
           </a:xfrm>
+        </p:spPr>
+      </p:pic>
+      <p:pic>
+        <p:nvPicPr>
+          <p:cNvPr id="7" name="Picture 6">
+            <a:extLst>
+              <a:ext uri="{FF2B5EF4-FFF2-40B4-BE49-F238E27FC236}">
+                <a16:creationId xmlns:a16="http://schemas.microsoft.com/office/drawing/2014/main" id="{130BB5CE-CB72-0840-8F0D-36B1BE4CE563}"/>
+              </a:ext>
+            </a:extLst>
+          </p:cNvPr>
+          <p:cNvPicPr>
+            <a:picLocks noChangeAspect="1"/>
+          </p:cNvPicPr>
+          <p:nvPr/>
+        </p:nvPicPr>
+        <p:blipFill>
+          <a:blip r:embed="rId3"/>
+          <a:stretch>
+            <a:fillRect/>
+          </a:stretch>
+        </p:blipFill>
+        <p:spPr>
+          <a:xfrm>
+            <a:off x="2723372" y="1885157"/>
+            <a:ext cx="2876288" cy="4886325"/>
+          </a:xfrm>
+          <a:prstGeom prst="rect">
+            <a:avLst/>
+          </a:prstGeom>
         </p:spPr>
       </p:pic>
     </p:spTree>
@@ -13014,8 +13044,38 @@
         </p:blipFill>
         <p:spPr>
           <a:xfrm>
-            <a:off x="5815011" y="1697038"/>
+            <a:off x="5786436" y="1882776"/>
             <a:ext cx="5842693" cy="4946650"/>
+          </a:xfrm>
+          <a:prstGeom prst="rect">
+            <a:avLst/>
+          </a:prstGeom>
+        </p:spPr>
+      </p:pic>
+      <p:pic>
+        <p:nvPicPr>
+          <p:cNvPr id="5" name="Picture 4">
+            <a:extLst>
+              <a:ext uri="{FF2B5EF4-FFF2-40B4-BE49-F238E27FC236}">
+                <a16:creationId xmlns:a16="http://schemas.microsoft.com/office/drawing/2014/main" id="{E6C7D424-D45E-7441-805F-C9F8217A4F2E}"/>
+              </a:ext>
+            </a:extLst>
+          </p:cNvPr>
+          <p:cNvPicPr>
+            <a:picLocks noChangeAspect="1"/>
+          </p:cNvPicPr>
+          <p:nvPr/>
+        </p:nvPicPr>
+        <p:blipFill>
+          <a:blip r:embed="rId3"/>
+          <a:stretch>
+            <a:fillRect/>
+          </a:stretch>
+        </p:blipFill>
+        <p:spPr>
+          <a:xfrm>
+            <a:off x="2262536" y="1882775"/>
+            <a:ext cx="2942182" cy="4946651"/>
           </a:xfrm>
           <a:prstGeom prst="rect">
             <a:avLst/>
